--- a/src/DocuChef.TestConsoleApp/files/ppt/template_3.pptx
+++ b/src/DocuChef.TestConsoleApp/files/ppt/template_3.pptx
@@ -4156,17 +4156,18 @@
           </a:p>
           <a:p>
             <a:r>
+              <a:rPr lang="en-US" altLang="ko-KR" sz="1600"/>
+              <a:t>Price: ${Items[0].Price:C0}</a:t>
+            </a:r>
+            <a:r>
               <a:rPr lang="ko-KR" altLang="en-US" sz="1600"/>
-              <a:t>가격</a:t>
+              <a:t> </a:t>
             </a:r>
             <a:r>
               <a:rPr lang="en-US" altLang="ko-KR" sz="1600"/>
-              <a:t>: ${Items[0].Price:C0}</a:t>
-            </a:r>
-            <a:r>
-              <a:rPr lang="ko-KR" altLang="en-US" sz="1600"/>
-              <a:t>원</a:t>
-            </a:r>
+              <a:t>USD</a:t>
+            </a:r>
+            <a:endParaRPr lang="ko-KR" altLang="en-US" sz="1600"/>
           </a:p>
         </p:txBody>
       </p:sp>
@@ -4274,17 +4275,18 @@
           </a:p>
           <a:p>
             <a:r>
+              <a:rPr lang="en-US" altLang="ko-KR" sz="1600"/>
+              <a:t>Price: ${Items[1].Price:C0}</a:t>
+            </a:r>
+            <a:r>
               <a:rPr lang="ko-KR" altLang="en-US" sz="1600"/>
-              <a:t>가격</a:t>
+              <a:t> </a:t>
             </a:r>
             <a:r>
               <a:rPr lang="en-US" altLang="ko-KR" sz="1600"/>
-              <a:t>: ${Items[1].Price:C0}</a:t>
-            </a:r>
-            <a:r>
-              <a:rPr lang="ko-KR" altLang="en-US" sz="1600"/>
-              <a:t>원</a:t>
-            </a:r>
+              <a:t>USD</a:t>
+            </a:r>
+            <a:endParaRPr lang="ko-KR" altLang="en-US" sz="1600"/>
           </a:p>
         </p:txBody>
       </p:sp>
@@ -4342,17 +4344,18 @@
           </a:p>
           <a:p>
             <a:r>
+              <a:rPr lang="en-US" altLang="ko-KR" sz="1600"/>
+              <a:t>Price: ${Items[2].Price:C0}</a:t>
+            </a:r>
+            <a:r>
               <a:rPr lang="ko-KR" altLang="en-US" sz="1600"/>
-              <a:t>가격</a:t>
+              <a:t> </a:t>
             </a:r>
             <a:r>
               <a:rPr lang="en-US" altLang="ko-KR" sz="1600"/>
-              <a:t>: ${Items[2].Price:C0}</a:t>
-            </a:r>
-            <a:r>
-              <a:rPr lang="ko-KR" altLang="en-US" sz="1600"/>
-              <a:t>원</a:t>
-            </a:r>
+              <a:t>USD</a:t>
+            </a:r>
+            <a:endParaRPr lang="ko-KR" altLang="en-US" sz="1600"/>
           </a:p>
         </p:txBody>
       </p:sp>
@@ -4410,17 +4413,18 @@
           </a:p>
           <a:p>
             <a:r>
+              <a:rPr lang="en-US" altLang="ko-KR" sz="1600"/>
+              <a:t>Price: ${Items[3].Price:C0}</a:t>
+            </a:r>
+            <a:r>
               <a:rPr lang="ko-KR" altLang="en-US" sz="1600"/>
-              <a:t>가격</a:t>
+              <a:t> </a:t>
             </a:r>
             <a:r>
               <a:rPr lang="en-US" altLang="ko-KR" sz="1600"/>
-              <a:t>: ${Items[3].Price:C0}</a:t>
-            </a:r>
-            <a:r>
-              <a:rPr lang="ko-KR" altLang="en-US" sz="1600"/>
-              <a:t>원</a:t>
-            </a:r>
+              <a:t>USD</a:t>
+            </a:r>
+            <a:endParaRPr lang="ko-KR" altLang="en-US" sz="1600"/>
           </a:p>
         </p:txBody>
       </p:sp>
@@ -4478,17 +4482,18 @@
           </a:p>
           <a:p>
             <a:r>
+              <a:rPr lang="en-US" altLang="ko-KR" sz="1600"/>
+              <a:t>Price: ${Items[4].Price:C0}</a:t>
+            </a:r>
+            <a:r>
               <a:rPr lang="ko-KR" altLang="en-US" sz="1600"/>
-              <a:t>가격</a:t>
+              <a:t> </a:t>
             </a:r>
             <a:r>
               <a:rPr lang="en-US" altLang="ko-KR" sz="1600"/>
-              <a:t>: ${Items[4].Price:C0}</a:t>
-            </a:r>
-            <a:r>
-              <a:rPr lang="ko-KR" altLang="en-US" sz="1600"/>
-              <a:t>원</a:t>
-            </a:r>
+              <a:t>USD</a:t>
+            </a:r>
+            <a:endParaRPr lang="ko-KR" altLang="en-US" sz="1600"/>
           </a:p>
         </p:txBody>
       </p:sp>
